--- a/41. xargs.pptx
+++ b/41. xargs.pptx
@@ -3662,6 +3662,94 @@
           </a:prstGeom>
         </p:spPr>
       </p:pic>
+      <p:cxnSp>
+        <p:nvCxnSpPr>
+          <p:cNvPr id="4" name="Straight Arrow Connector 3">
+            <a:extLst>
+              <a:ext uri="{FF2B5EF4-FFF2-40B4-BE49-F238E27FC236}">
+                <a16:creationId xmlns:a16="http://schemas.microsoft.com/office/drawing/2014/main" id="{74C3564F-9FDB-43FC-9EB4-BE47C1E432ED}"/>
+              </a:ext>
+            </a:extLst>
+          </p:cNvPr>
+          <p:cNvCxnSpPr>
+            <a:cxnSpLocks/>
+          </p:cNvCxnSpPr>
+          <p:nvPr/>
+        </p:nvCxnSpPr>
+        <p:spPr>
+          <a:xfrm flipV="1">
+            <a:off x="8666922" y="954157"/>
+            <a:ext cx="0" cy="424069"/>
+          </a:xfrm>
+          <a:prstGeom prst="straightConnector1">
+            <a:avLst/>
+          </a:prstGeom>
+          <a:ln w="28575">
+            <a:solidFill>
+              <a:schemeClr val="accent4">
+                <a:lumMod val="60000"/>
+                <a:lumOff val="40000"/>
+              </a:schemeClr>
+            </a:solidFill>
+            <a:tailEnd type="triangle"/>
+          </a:ln>
+        </p:spPr>
+        <p:style>
+          <a:lnRef idx="1">
+            <a:schemeClr val="accent1"/>
+          </a:lnRef>
+          <a:fillRef idx="0">
+            <a:schemeClr val="accent1"/>
+          </a:fillRef>
+          <a:effectRef idx="0">
+            <a:schemeClr val="accent1"/>
+          </a:effectRef>
+          <a:fontRef idx="minor">
+            <a:schemeClr val="tx1"/>
+          </a:fontRef>
+        </p:style>
+      </p:cxnSp>
+      <p:sp>
+        <p:nvSpPr>
+          <p:cNvPr id="6" name="TextBox 5">
+            <a:extLst>
+              <a:ext uri="{FF2B5EF4-FFF2-40B4-BE49-F238E27FC236}">
+                <a16:creationId xmlns:a16="http://schemas.microsoft.com/office/drawing/2014/main" id="{05A541CF-2687-498C-B3BF-DC08EB8DF4E3}"/>
+              </a:ext>
+            </a:extLst>
+          </p:cNvPr>
+          <p:cNvSpPr txBox="1"/>
+          <p:nvPr/>
+        </p:nvSpPr>
+        <p:spPr>
+          <a:xfrm>
+            <a:off x="8274763" y="1378226"/>
+            <a:ext cx="784317" cy="369332"/>
+          </a:xfrm>
+          <a:prstGeom prst="rect">
+            <a:avLst/>
+          </a:prstGeom>
+          <a:noFill/>
+        </p:spPr>
+        <p:txBody>
+          <a:bodyPr wrap="none" rtlCol="0">
+            <a:spAutoFit/>
+          </a:bodyPr>
+          <a:lstStyle/>
+          <a:p>
+            <a:r>
+              <a:rPr lang="en-US" dirty="0">
+                <a:solidFill>
+                  <a:schemeClr val="bg1">
+                    <a:lumMod val="95000"/>
+                  </a:schemeClr>
+                </a:solidFill>
+              </a:rPr>
+              <a:t>Tuples</a:t>
+            </a:r>
+          </a:p>
+        </p:txBody>
+      </p:sp>
     </p:spTree>
     <p:extLst>
       <p:ext uri="{BB962C8B-B14F-4D97-AF65-F5344CB8AC3E}">
